--- a/course_material/slides/008_recursion.pptx
+++ b/course_material/slides/008_recursion.pptx
@@ -5,17 +5,18 @@
     <p:sldMasterId id="2147483660" r:id="rId1"/>
   </p:sldMasterIdLst>
   <p:sldIdLst>
-    <p:sldId id="256" r:id="rId2"/>
-    <p:sldId id="264" r:id="rId3"/>
-    <p:sldId id="257" r:id="rId4"/>
-    <p:sldId id="262" r:id="rId5"/>
-    <p:sldId id="265" r:id="rId6"/>
-    <p:sldId id="258" r:id="rId7"/>
-    <p:sldId id="259" r:id="rId8"/>
-    <p:sldId id="260" r:id="rId9"/>
-    <p:sldId id="261" r:id="rId10"/>
-    <p:sldId id="266" r:id="rId11"/>
-    <p:sldId id="263" r:id="rId12"/>
+    <p:sldId id="267" r:id="rId2"/>
+    <p:sldId id="256" r:id="rId3"/>
+    <p:sldId id="264" r:id="rId4"/>
+    <p:sldId id="257" r:id="rId5"/>
+    <p:sldId id="262" r:id="rId6"/>
+    <p:sldId id="265" r:id="rId7"/>
+    <p:sldId id="258" r:id="rId8"/>
+    <p:sldId id="259" r:id="rId9"/>
+    <p:sldId id="260" r:id="rId10"/>
+    <p:sldId id="261" r:id="rId11"/>
+    <p:sldId id="266" r:id="rId12"/>
+    <p:sldId id="263" r:id="rId13"/>
   </p:sldIdLst>
   <p:sldSz cx="12192000" cy="6858000"/>
   <p:notesSz cx="6858000" cy="9144000"/>
@@ -114,6 +115,11 @@
       </a:defRPr>
     </a:lvl9pPr>
   </p:defaultTextStyle>
+  <p:extLst>
+    <p:ext uri="{EFAFB233-063F-42B5-8137-9DF3F51BA10A}">
+      <p15:sldGuideLst xmlns:p15="http://schemas.microsoft.com/office/powerpoint/2012/main"/>
+    </p:ext>
+  </p:extLst>
 </p:presentation>
 </file>
 
@@ -1066,7 +1072,7 @@
           <a:p>
             <a:fld id="{132BEA1D-90FA-8A48-9258-46725856714B}" type="datetimeFigureOut">
               <a:rPr lang="en-US" smtClean="0"/>
-              <a:t>9/15/23</a:t>
+              <a:t>9/19/23</a:t>
             </a:fld>
             <a:endParaRPr lang="en-US"/>
           </a:p>
@@ -1277,7 +1283,7 @@
           <a:p>
             <a:fld id="{132BEA1D-90FA-8A48-9258-46725856714B}" type="datetimeFigureOut">
               <a:rPr lang="en-US" smtClean="0"/>
-              <a:t>9/15/23</a:t>
+              <a:t>9/19/23</a:t>
             </a:fld>
             <a:endParaRPr lang="en-US"/>
           </a:p>
@@ -1492,7 +1498,7 @@
           <a:p>
             <a:fld id="{132BEA1D-90FA-8A48-9258-46725856714B}" type="datetimeFigureOut">
               <a:rPr lang="en-US" smtClean="0"/>
-              <a:t>9/15/23</a:t>
+              <a:t>9/19/23</a:t>
             </a:fld>
             <a:endParaRPr lang="en-US"/>
           </a:p>
@@ -1693,7 +1699,7 @@
           <a:p>
             <a:fld id="{132BEA1D-90FA-8A48-9258-46725856714B}" type="datetimeFigureOut">
               <a:rPr lang="en-US" smtClean="0"/>
-              <a:t>9/15/23</a:t>
+              <a:t>9/19/23</a:t>
             </a:fld>
             <a:endParaRPr lang="en-US"/>
           </a:p>
@@ -1972,7 +1978,7 @@
           <a:p>
             <a:fld id="{132BEA1D-90FA-8A48-9258-46725856714B}" type="datetimeFigureOut">
               <a:rPr lang="en-US" smtClean="0"/>
-              <a:t>9/15/23</a:t>
+              <a:t>9/19/23</a:t>
             </a:fld>
             <a:endParaRPr lang="en-US"/>
           </a:p>
@@ -2240,7 +2246,7 @@
           <a:p>
             <a:fld id="{132BEA1D-90FA-8A48-9258-46725856714B}" type="datetimeFigureOut">
               <a:rPr lang="en-US" smtClean="0"/>
-              <a:t>9/15/23</a:t>
+              <a:t>9/19/23</a:t>
             </a:fld>
             <a:endParaRPr lang="en-US"/>
           </a:p>
@@ -2656,7 +2662,7 @@
           <a:p>
             <a:fld id="{132BEA1D-90FA-8A48-9258-46725856714B}" type="datetimeFigureOut">
               <a:rPr lang="en-US" smtClean="0"/>
-              <a:t>9/15/23</a:t>
+              <a:t>9/19/23</a:t>
             </a:fld>
             <a:endParaRPr lang="en-US"/>
           </a:p>
@@ -2805,7 +2811,7 @@
           <a:p>
             <a:fld id="{132BEA1D-90FA-8A48-9258-46725856714B}" type="datetimeFigureOut">
               <a:rPr lang="en-US" smtClean="0"/>
-              <a:t>9/15/23</a:t>
+              <a:t>9/19/23</a:t>
             </a:fld>
             <a:endParaRPr lang="en-US"/>
           </a:p>
@@ -2931,7 +2937,7 @@
           <a:p>
             <a:fld id="{132BEA1D-90FA-8A48-9258-46725856714B}" type="datetimeFigureOut">
               <a:rPr lang="en-US" smtClean="0"/>
-              <a:t>9/15/23</a:t>
+              <a:t>9/19/23</a:t>
             </a:fld>
             <a:endParaRPr lang="en-US"/>
           </a:p>
@@ -3182,7 +3188,7 @@
           <a:p>
             <a:fld id="{132BEA1D-90FA-8A48-9258-46725856714B}" type="datetimeFigureOut">
               <a:rPr lang="en-US" smtClean="0"/>
-              <a:t>9/15/23</a:t>
+              <a:t>9/19/23</a:t>
             </a:fld>
             <a:endParaRPr lang="en-US"/>
           </a:p>
@@ -3627,7 +3633,7 @@
           <a:p>
             <a:fld id="{132BEA1D-90FA-8A48-9258-46725856714B}" type="datetimeFigureOut">
               <a:rPr lang="en-US" smtClean="0"/>
-              <a:t>9/15/23</a:t>
+              <a:t>9/19/23</a:t>
             </a:fld>
             <a:endParaRPr lang="en-US"/>
           </a:p>
@@ -3954,7 +3960,7 @@
           <a:p>
             <a:fld id="{132BEA1D-90FA-8A48-9258-46725856714B}" type="datetimeFigureOut">
               <a:rPr lang="en-US" smtClean="0"/>
-              <a:t>9/15/23</a:t>
+              <a:t>9/19/23</a:t>
             </a:fld>
             <a:endParaRPr lang="en-US"/>
           </a:p>
@@ -4445,7 +4451,7 @@
           <p:cNvPr id="2" name="Title 1">
             <a:extLst>
               <a:ext uri="{FF2B5EF4-FFF2-40B4-BE49-F238E27FC236}">
-                <a16:creationId xmlns:a16="http://schemas.microsoft.com/office/drawing/2014/main" id="{6BE0ECFB-1CC1-3CA6-EE05-F84F868404A9}"/>
+                <a16:creationId xmlns:a16="http://schemas.microsoft.com/office/drawing/2014/main" id="{A787DA0D-FEE7-357A-72E5-8CB971467B0B}"/>
               </a:ext>
             </a:extLst>
           </p:cNvPr>
@@ -4453,7 +4459,7 @@
             <a:spLocks noGrp="1"/>
           </p:cNvSpPr>
           <p:nvPr>
-            <p:ph type="ctrTitle"/>
+            <p:ph type="title"/>
           </p:nvPr>
         </p:nvSpPr>
         <p:spPr/>
@@ -4463,17 +4469,17 @@
           <a:p>
             <a:r>
               <a:rPr lang="en-US" dirty="0"/>
-              <a:t>Recursion</a:t>
-            </a:r>
-          </a:p>
-        </p:txBody>
-      </p:sp>
-      <p:sp>
-        <p:nvSpPr>
-          <p:cNvPr id="3" name="Subtitle 2">
+              <a:t>Keeping of House</a:t>
+            </a:r>
+          </a:p>
+        </p:txBody>
+      </p:sp>
+      <p:sp>
+        <p:nvSpPr>
+          <p:cNvPr id="3" name="Content Placeholder 2">
             <a:extLst>
               <a:ext uri="{FF2B5EF4-FFF2-40B4-BE49-F238E27FC236}">
-                <a16:creationId xmlns:a16="http://schemas.microsoft.com/office/drawing/2014/main" id="{EEE395D9-054F-DBCF-0889-41A8833F98E0}"/>
+                <a16:creationId xmlns:a16="http://schemas.microsoft.com/office/drawing/2014/main" id="{0132EF66-653A-B2C5-6C03-BA3BF8AACDEF}"/>
               </a:ext>
             </a:extLst>
           </p:cNvPr>
@@ -4481,22 +4487,105 @@
             <a:spLocks noGrp="1"/>
           </p:cNvSpPr>
           <p:nvPr>
-            <p:ph type="subTitle" idx="1"/>
-          </p:nvPr>
-        </p:nvSpPr>
-        <p:spPr/>
-        <p:txBody>
-          <a:bodyPr/>
+            <p:ph idx="1"/>
+          </p:nvPr>
+        </p:nvSpPr>
+        <p:spPr>
+          <a:xfrm>
+            <a:off x="1451579" y="1853754"/>
+            <a:ext cx="9603275" cy="4264304"/>
+          </a:xfrm>
+        </p:spPr>
+        <p:txBody>
+          <a:bodyPr>
+            <a:normAutofit lnSpcReduction="10000"/>
+          </a:bodyPr>
           <a:lstStyle/>
           <a:p>
-            <a:endParaRPr lang="en-US"/>
+            <a:r>
+              <a:rPr lang="en-US" dirty="0"/>
+              <a:t>Today:</a:t>
+            </a:r>
+          </a:p>
+          <a:p>
+            <a:pPr lvl="1"/>
+            <a:r>
+              <a:rPr lang="en-US" dirty="0"/>
+              <a:t>Recursion (Ch 5)</a:t>
+            </a:r>
+          </a:p>
+          <a:p>
+            <a:pPr lvl="1"/>
+            <a:r>
+              <a:rPr lang="en-US" dirty="0"/>
+              <a:t>Details of strings (Ch 8)</a:t>
+            </a:r>
+          </a:p>
+          <a:p>
+            <a:pPr lvl="1"/>
+            <a:r>
+              <a:rPr lang="en-US" dirty="0"/>
+              <a:t>Some large exercises mixed in. </a:t>
+            </a:r>
+          </a:p>
+          <a:p>
+            <a:r>
+              <a:rPr lang="en-US" dirty="0"/>
+              <a:t>Lab 2 – due next week:</a:t>
+            </a:r>
+          </a:p>
+          <a:p>
+            <a:pPr lvl="1"/>
+            <a:r>
+              <a:rPr lang="en-US" dirty="0"/>
+              <a:t>I think that it should be pretty easy/short. If not, please let me know. </a:t>
+            </a:r>
+          </a:p>
+          <a:p>
+            <a:r>
+              <a:rPr lang="en-US" dirty="0"/>
+              <a:t>Overall Context:</a:t>
+            </a:r>
+          </a:p>
+          <a:p>
+            <a:pPr lvl="1"/>
+            <a:r>
+              <a:rPr lang="en-US" dirty="0"/>
+              <a:t>We’ve gone over roughly the first 12 chapters of text content, in lower detail. </a:t>
+            </a:r>
+          </a:p>
+          <a:p>
+            <a:pPr lvl="1"/>
+            <a:r>
+              <a:rPr lang="en-US" dirty="0"/>
+              <a:t>We’ll circle back around to some of those concepts, with a more full set of tools. </a:t>
+            </a:r>
+          </a:p>
+          <a:p>
+            <a:pPr lvl="1"/>
+            <a:r>
+              <a:rPr lang="en-US" dirty="0"/>
+              <a:t>I think it is much easier, in the long run, to learn through larger scoped tasks. </a:t>
+            </a:r>
+          </a:p>
+          <a:p>
+            <a:pPr lvl="1"/>
+            <a:r>
+              <a:rPr lang="en-US" dirty="0"/>
+              <a:t>We have most of the key building blocks of programs, now need </a:t>
+            </a:r>
+            <a:r>
+              <a:rPr lang="en-US"/>
+              <a:t>to practice. </a:t>
+            </a:r>
+            <a:endParaRPr lang="en-US" dirty="0"/>
           </a:p>
         </p:txBody>
       </p:sp>
     </p:spTree>
     <p:extLst>
       <p:ext uri="{BB962C8B-B14F-4D97-AF65-F5344CB8AC3E}">
-        <p14:creationId xmlns:p14="http://schemas.microsoft.com/office/powerpoint/2010/main" val="1202995889"/>
+        <p14:creationId xmlns:p14="http://schemas.microsoft.com/office/powerpoint/2010/main" val="3896466678"/>
       </p:ext>
     </p:extLst>
   </p:cSld>
@@ -4507,6 +4596,452 @@
 </file>
 
 <file path=ppt/slides/slide10.xml><?xml version="1.0" encoding="utf-8"?>
+<p:sld xmlns:a="http://schemas.openxmlformats.org/drawingml/2006/main" xmlns:r="http://schemas.openxmlformats.org/officeDocument/2006/relationships" xmlns:p="http://schemas.openxmlformats.org/presentationml/2006/main">
+  <p:cSld>
+    <p:bg>
+      <p:bgPr>
+        <a:gradFill rotWithShape="1">
+          <a:gsLst>
+            <a:gs pos="0">
+              <a:schemeClr val="bg2">
+                <a:tint val="94000"/>
+                <a:satMod val="80000"/>
+                <a:lumMod val="106000"/>
+              </a:schemeClr>
+            </a:gs>
+            <a:gs pos="100000">
+              <a:schemeClr val="bg2">
+                <a:shade val="80000"/>
+              </a:schemeClr>
+            </a:gs>
+          </a:gsLst>
+          <a:path path="circle">
+            <a:fillToRect l="43000" r="43000" b="100000"/>
+          </a:path>
+        </a:gradFill>
+        <a:effectLst/>
+      </p:bgPr>
+    </p:bg>
+    <p:spTree>
+      <p:nvGrpSpPr>
+        <p:cNvPr id="1" name=""/>
+        <p:cNvGrpSpPr/>
+        <p:nvPr/>
+      </p:nvGrpSpPr>
+      <p:grpSpPr>
+        <a:xfrm>
+          <a:off x="0" y="0"/>
+          <a:ext cx="0" cy="0"/>
+          <a:chOff x="0" y="0"/>
+          <a:chExt cx="0" cy="0"/>
+        </a:xfrm>
+      </p:grpSpPr>
+      <p:sp useBgFill="1">
+        <p:nvSpPr>
+          <p:cNvPr id="1031" name="Rectangle 1030">
+            <a:extLst>
+              <a:ext uri="{FF2B5EF4-FFF2-40B4-BE49-F238E27FC236}">
+                <a16:creationId xmlns:a16="http://schemas.microsoft.com/office/drawing/2014/main" id="{C630F413-44CE-4746-9821-9E0107978E7A}"/>
+              </a:ext>
+              <a:ext uri="{C183D7F6-B498-43B3-948B-1728B52AA6E4}">
+                <adec:decorative xmlns:adec="http://schemas.microsoft.com/office/drawing/2017/decorative" val="1"/>
+              </a:ext>
+            </a:extLst>
+          </p:cNvPr>
+          <p:cNvSpPr>
+            <a:spLocks noGrp="1" noRot="1" noChangeAspect="1" noMove="1" noResize="1" noEditPoints="1" noAdjustHandles="1" noChangeArrowheads="1" noChangeShapeType="1" noTextEdit="1"/>
+          </p:cNvSpPr>
+          <p:nvPr>
+            <p:extLst>
+              <p:ext uri="{386F3935-93C4-4BCD-93E2-E3B085C9AB24}">
+                <p16:designElem xmlns:p16="http://schemas.microsoft.com/office/powerpoint/2015/main" val="1"/>
+              </p:ext>
+            </p:extLst>
+          </p:nvPr>
+        </p:nvSpPr>
+        <p:spPr>
+          <a:xfrm>
+            <a:off x="2" y="0"/>
+            <a:ext cx="12191695" cy="6858000"/>
+          </a:xfrm>
+          <a:prstGeom prst="rect">
+            <a:avLst/>
+          </a:prstGeom>
+          <a:ln>
+            <a:noFill/>
+          </a:ln>
+        </p:spPr>
+        <p:style>
+          <a:lnRef idx="2">
+            <a:schemeClr val="accent1">
+              <a:shade val="50000"/>
+            </a:schemeClr>
+          </a:lnRef>
+          <a:fillRef idx="1">
+            <a:schemeClr val="accent1"/>
+          </a:fillRef>
+          <a:effectRef idx="0">
+            <a:schemeClr val="accent1"/>
+          </a:effectRef>
+          <a:fontRef idx="minor">
+            <a:schemeClr val="lt1"/>
+          </a:fontRef>
+        </p:style>
+        <p:txBody>
+          <a:bodyPr rtlCol="0" anchor="ctr"/>
+          <a:lstStyle/>
+          <a:p>
+            <a:pPr algn="ctr"/>
+            <a:endParaRPr lang="en-US"/>
+          </a:p>
+        </p:txBody>
+      </p:sp>
+      <p:sp>
+        <p:nvSpPr>
+          <p:cNvPr id="1033" name="Rectangle 1032">
+            <a:extLst>
+              <a:ext uri="{FF2B5EF4-FFF2-40B4-BE49-F238E27FC236}">
+                <a16:creationId xmlns:a16="http://schemas.microsoft.com/office/drawing/2014/main" id="{22D671B1-B099-4F9C-B9CC-9D22B4DAF8A8}"/>
+              </a:ext>
+              <a:ext uri="{C183D7F6-B498-43B3-948B-1728B52AA6E4}">
+                <adec:decorative xmlns:adec="http://schemas.microsoft.com/office/drawing/2017/decorative" val="1"/>
+              </a:ext>
+            </a:extLst>
+          </p:cNvPr>
+          <p:cNvSpPr>
+            <a:spLocks noGrp="1" noRot="1" noChangeAspect="1" noMove="1" noResize="1" noEditPoints="1" noAdjustHandles="1" noChangeArrowheads="1" noChangeShapeType="1" noTextEdit="1"/>
+          </p:cNvSpPr>
+          <p:nvPr>
+            <p:extLst>
+              <p:ext uri="{386F3935-93C4-4BCD-93E2-E3B085C9AB24}">
+                <p16:designElem xmlns:p16="http://schemas.microsoft.com/office/powerpoint/2015/main" val="1"/>
+              </p:ext>
+            </p:extLst>
+          </p:nvPr>
+        </p:nvSpPr>
+        <p:spPr>
+          <a:xfrm>
+            <a:off x="0" y="2019476"/>
+            <a:ext cx="12192000" cy="4838524"/>
+          </a:xfrm>
+          <a:prstGeom prst="rect">
+            <a:avLst/>
+          </a:prstGeom>
+          <a:gradFill flip="none" rotWithShape="1">
+            <a:gsLst>
+              <a:gs pos="0">
+                <a:schemeClr val="bg2">
+                  <a:alpha val="0"/>
+                </a:schemeClr>
+              </a:gs>
+              <a:gs pos="100000">
+                <a:schemeClr val="bg2"/>
+              </a:gs>
+            </a:gsLst>
+            <a:lin ang="5400000" scaled="0"/>
+            <a:tileRect/>
+          </a:gradFill>
+          <a:ln>
+            <a:noFill/>
+          </a:ln>
+        </p:spPr>
+        <p:style>
+          <a:lnRef idx="2">
+            <a:schemeClr val="accent1">
+              <a:shade val="50000"/>
+            </a:schemeClr>
+          </a:lnRef>
+          <a:fillRef idx="1">
+            <a:schemeClr val="accent1"/>
+          </a:fillRef>
+          <a:effectRef idx="0">
+            <a:schemeClr val="accent1"/>
+          </a:effectRef>
+          <a:fontRef idx="minor">
+            <a:schemeClr val="lt1"/>
+          </a:fontRef>
+        </p:style>
+        <p:txBody>
+          <a:bodyPr rtlCol="0" anchor="ctr"/>
+          <a:lstStyle/>
+          <a:p>
+            <a:pPr lvl="0" algn="ctr"/>
+            <a:endParaRPr lang="en-US"/>
+          </a:p>
+        </p:txBody>
+      </p:sp>
+      <p:sp>
+        <p:nvSpPr>
+          <p:cNvPr id="2" name="Title 1">
+            <a:extLst>
+              <a:ext uri="{FF2B5EF4-FFF2-40B4-BE49-F238E27FC236}">
+                <a16:creationId xmlns:a16="http://schemas.microsoft.com/office/drawing/2014/main" id="{A9B36442-EC7B-C00C-6165-CF7C9E418BE6}"/>
+              </a:ext>
+            </a:extLst>
+          </p:cNvPr>
+          <p:cNvSpPr>
+            <a:spLocks noGrp="1"/>
+          </p:cNvSpPr>
+          <p:nvPr>
+            <p:ph type="title"/>
+          </p:nvPr>
+        </p:nvSpPr>
+        <p:spPr>
+          <a:xfrm>
+            <a:off x="7555992" y="707475"/>
+            <a:ext cx="3157577" cy="1312001"/>
+          </a:xfrm>
+        </p:spPr>
+        <p:txBody>
+          <a:bodyPr anchor="t">
+            <a:normAutofit/>
+          </a:bodyPr>
+          <a:lstStyle/>
+          <a:p>
+            <a:r>
+              <a:rPr lang="en-US" sz="2800"/>
+              <a:t>Recursion vs Iteration (loops)</a:t>
+            </a:r>
+          </a:p>
+        </p:txBody>
+      </p:sp>
+      <p:cxnSp>
+        <p:nvCxnSpPr>
+          <p:cNvPr id="1035" name="Straight Connector 1034">
+            <a:extLst>
+              <a:ext uri="{FF2B5EF4-FFF2-40B4-BE49-F238E27FC236}">
+                <a16:creationId xmlns:a16="http://schemas.microsoft.com/office/drawing/2014/main" id="{7552FBEF-FA69-427B-8245-0A518E0513D5}"/>
+              </a:ext>
+              <a:ext uri="{C183D7F6-B498-43B3-948B-1728B52AA6E4}">
+                <adec:decorative xmlns:adec="http://schemas.microsoft.com/office/drawing/2017/decorative" val="1"/>
+              </a:ext>
+            </a:extLst>
+          </p:cNvPr>
+          <p:cNvCxnSpPr>
+            <a:cxnSpLocks noGrp="1" noRot="1" noChangeAspect="1" noMove="1" noResize="1" noEditPoints="1" noAdjustHandles="1" noChangeArrowheads="1" noChangeShapeType="1"/>
+          </p:cNvCxnSpPr>
+          <p:nvPr>
+            <p:extLst>
+              <p:ext uri="{386F3935-93C4-4BCD-93E2-E3B085C9AB24}">
+                <p16:designElem xmlns:p16="http://schemas.microsoft.com/office/powerpoint/2015/main" val="1"/>
+              </p:ext>
+            </p:extLst>
+          </p:nvPr>
+        </p:nvCxnSpPr>
+        <p:spPr>
+          <a:xfrm>
+            <a:off x="7555992" y="2146542"/>
+            <a:ext cx="3157578" cy="0"/>
+          </a:xfrm>
+          <a:prstGeom prst="line">
+            <a:avLst/>
+          </a:prstGeom>
+          <a:ln w="31750"/>
+        </p:spPr>
+        <p:style>
+          <a:lnRef idx="3">
+            <a:schemeClr val="accent1"/>
+          </a:lnRef>
+          <a:fillRef idx="0">
+            <a:schemeClr val="accent1"/>
+          </a:fillRef>
+          <a:effectRef idx="2">
+            <a:schemeClr val="accent1"/>
+          </a:effectRef>
+          <a:fontRef idx="minor">
+            <a:schemeClr val="tx1"/>
+          </a:fontRef>
+        </p:style>
+      </p:cxnSp>
+      <p:sp>
+        <p:nvSpPr>
+          <p:cNvPr id="1037" name="Title 1">
+            <a:extLst>
+              <a:ext uri="{FF2B5EF4-FFF2-40B4-BE49-F238E27FC236}">
+                <a16:creationId xmlns:a16="http://schemas.microsoft.com/office/drawing/2014/main" id="{898488B7-DBD3-40E7-B54B-4DA6C5693EF3}"/>
+              </a:ext>
+              <a:ext uri="{C183D7F6-B498-43B3-948B-1728B52AA6E4}">
+                <adec:decorative xmlns:adec="http://schemas.microsoft.com/office/drawing/2017/decorative" val="1"/>
+              </a:ext>
+            </a:extLst>
+          </p:cNvPr>
+          <p:cNvSpPr txBox="1">
+            <a:spLocks noGrp="1" noRot="1" noChangeAspect="1" noMove="1" noResize="1" noEditPoints="1" noAdjustHandles="1" noChangeArrowheads="1" noChangeShapeType="1" noTextEdit="1"/>
+          </p:cNvSpPr>
+          <p:nvPr>
+            <p:extLst>
+              <p:ext uri="{386F3935-93C4-4BCD-93E2-E3B085C9AB24}">
+                <p16:designElem xmlns:p16="http://schemas.microsoft.com/office/powerpoint/2015/main" val="1"/>
+              </p:ext>
+            </p:extLst>
+          </p:nvPr>
+        </p:nvSpPr>
+        <p:spPr>
+          <a:xfrm>
+            <a:off x="1451580" y="3122496"/>
+            <a:ext cx="3530157" cy="1049235"/>
+          </a:xfrm>
+          <a:prstGeom prst="rect">
+            <a:avLst/>
+          </a:prstGeom>
+        </p:spPr>
+        <p:txBody>
+          <a:bodyPr vert="horz" lIns="91440" tIns="45720" rIns="91440" bIns="45720" rtlCol="0" anchor="t">
+            <a:normAutofit/>
+          </a:bodyPr>
+          <a:lstStyle>
+            <a:lvl1pPr algn="l" defTabSz="914400" rtl="0" eaLnBrk="1" latinLnBrk="0" hangingPunct="1">
+              <a:lnSpc>
+                <a:spcPct val="90000"/>
+              </a:lnSpc>
+              <a:spcBef>
+                <a:spcPct val="0"/>
+              </a:spcBef>
+              <a:buNone/>
+              <a:defRPr sz="3200" b="0" i="0" kern="1200" cap="all">
+                <a:solidFill>
+                  <a:schemeClr val="tx1"/>
+                </a:solidFill>
+                <a:effectLst/>
+                <a:latin typeface="+mj-lt"/>
+                <a:ea typeface="+mj-ea"/>
+                <a:cs typeface="+mj-cs"/>
+              </a:defRPr>
+            </a:lvl1pPr>
+          </a:lstStyle>
+          <a:p>
+            <a:endParaRPr lang="en-US" dirty="0"/>
+          </a:p>
+        </p:txBody>
+      </p:sp>
+      <p:pic>
+        <p:nvPicPr>
+          <p:cNvPr id="1026" name="Picture 2" descr="CitizenChoice">
+            <a:extLst>
+              <a:ext uri="{FF2B5EF4-FFF2-40B4-BE49-F238E27FC236}">
+                <a16:creationId xmlns:a16="http://schemas.microsoft.com/office/drawing/2014/main" id="{34E1AFD2-F361-50AC-094A-D5FDDBFDC545}"/>
+              </a:ext>
+            </a:extLst>
+          </p:cNvPr>
+          <p:cNvPicPr>
+            <a:picLocks noChangeAspect="1" noChangeArrowheads="1"/>
+          </p:cNvPicPr>
+          <p:nvPr/>
+        </p:nvPicPr>
+        <p:blipFill>
+          <a:blip r:embed="rId2">
+            <a:extLst>
+              <a:ext uri="{28A0092B-C50C-407E-A947-70E740481C1C}">
+                <a14:useLocalDpi xmlns:a14="http://schemas.microsoft.com/office/drawing/2010/main" val="0"/>
+              </a:ext>
+            </a:extLst>
+          </a:blip>
+          <a:stretch>
+            <a:fillRect/>
+          </a:stretch>
+        </p:blipFill>
+        <p:spPr bwMode="auto">
+          <a:xfrm>
+            <a:off x="158766" y="22191"/>
+            <a:ext cx="6545277" cy="6835799"/>
+          </a:xfrm>
+          <a:prstGeom prst="rect">
+            <a:avLst/>
+          </a:prstGeom>
+          <a:noFill/>
+          <a:extLst>
+            <a:ext uri="{909E8E84-426E-40DD-AFC4-6F175D3DCCD1}">
+              <a14:hiddenFill xmlns:a14="http://schemas.microsoft.com/office/drawing/2010/main">
+                <a:solidFill>
+                  <a:srgbClr val="FFFFFF"/>
+                </a:solidFill>
+              </a14:hiddenFill>
+            </a:ext>
+          </a:extLst>
+        </p:spPr>
+      </p:pic>
+      <p:sp>
+        <p:nvSpPr>
+          <p:cNvPr id="3" name="Content Placeholder 2">
+            <a:extLst>
+              <a:ext uri="{FF2B5EF4-FFF2-40B4-BE49-F238E27FC236}">
+                <a16:creationId xmlns:a16="http://schemas.microsoft.com/office/drawing/2014/main" id="{8DF0B7A5-7FF4-E0A3-FC09-2C2E842F1645}"/>
+              </a:ext>
+            </a:extLst>
+          </p:cNvPr>
+          <p:cNvSpPr>
+            <a:spLocks noGrp="1"/>
+          </p:cNvSpPr>
+          <p:nvPr>
+            <p:ph idx="1"/>
+          </p:nvPr>
+        </p:nvSpPr>
+        <p:spPr>
+          <a:xfrm>
+            <a:off x="6704043" y="2218867"/>
+            <a:ext cx="5487653" cy="4511581"/>
+          </a:xfrm>
+        </p:spPr>
+        <p:txBody>
+          <a:bodyPr>
+            <a:normAutofit/>
+          </a:bodyPr>
+          <a:lstStyle/>
+          <a:p>
+            <a:r>
+              <a:rPr lang="en-US" dirty="0"/>
+              <a:t>Recursion is another tool to accomplish the same tasks as recursion. </a:t>
+            </a:r>
+          </a:p>
+          <a:p>
+            <a:r>
+              <a:rPr lang="en-US" dirty="0"/>
+              <a:t>We don’t really need to do recursion, sometimes it just makes more sense. </a:t>
+            </a:r>
+          </a:p>
+          <a:p>
+            <a:pPr lvl="1"/>
+            <a:r>
+              <a:rPr lang="en-US" dirty="0"/>
+              <a:t>Loop/recursion are interchangeable. </a:t>
+            </a:r>
+          </a:p>
+          <a:p>
+            <a:r>
+              <a:rPr lang="en-US" dirty="0"/>
+              <a:t>Each has positives and negatives. </a:t>
+            </a:r>
+          </a:p>
+          <a:p>
+            <a:pPr lvl="1"/>
+            <a:r>
+              <a:rPr lang="en-US" dirty="0"/>
+              <a:t>Recursion is usually slower and more resource intensive. </a:t>
+            </a:r>
+          </a:p>
+          <a:p>
+            <a:pPr lvl="1"/>
+            <a:r>
+              <a:rPr lang="en-US" dirty="0"/>
+              <a:t>Recursion can make the structure of the code easier for some problems making it easier to understand. </a:t>
+            </a:r>
+          </a:p>
+        </p:txBody>
+      </p:sp>
+    </p:spTree>
+    <p:extLst>
+      <p:ext uri="{BB962C8B-B14F-4D97-AF65-F5344CB8AC3E}">
+        <p14:creationId xmlns:p14="http://schemas.microsoft.com/office/powerpoint/2010/main" val="3553373463"/>
+      </p:ext>
+    </p:extLst>
+  </p:cSld>
+  <p:clrMapOvr>
+    <a:masterClrMapping/>
+  </p:clrMapOvr>
+</p:sld>
+</file>
+
+<file path=ppt/slides/slide11.xml><?xml version="1.0" encoding="utf-8"?>
 <p:sld xmlns:a="http://schemas.openxmlformats.org/drawingml/2006/main" xmlns:r="http://schemas.openxmlformats.org/officeDocument/2006/relationships" xmlns:p="http://schemas.openxmlformats.org/presentationml/2006/main">
   <p:cSld>
     <p:spTree>
@@ -4612,6 +5147,12 @@
             <a:r>
               <a:rPr lang="en-US" dirty="0"/>
               <a:t>Objects like JSON – used to pass data around on the internet. </a:t>
+            </a:r>
+          </a:p>
+          <a:p>
+            <a:r>
+              <a:rPr lang="en-US" dirty="0"/>
+              <a:t>Some sorting or searching algorithms.</a:t>
             </a:r>
           </a:p>
           <a:p>
@@ -4688,7 +5229,7 @@
 </p:sld>
 </file>
 
-<file path=ppt/slides/slide11.xml><?xml version="1.0" encoding="utf-8"?>
+<file path=ppt/slides/slide12.xml><?xml version="1.0" encoding="utf-8"?>
 <p:sld xmlns:a="http://schemas.openxmlformats.org/drawingml/2006/main" xmlns:r="http://schemas.openxmlformats.org/officeDocument/2006/relationships" xmlns:p="http://schemas.openxmlformats.org/presentationml/2006/main">
   <p:cSld>
     <p:spTree>
@@ -4811,6 +5352,89 @@
 </file>
 
 <file path=ppt/slides/slide2.xml><?xml version="1.0" encoding="utf-8"?>
+<p:sld xmlns:a="http://schemas.openxmlformats.org/drawingml/2006/main" xmlns:r="http://schemas.openxmlformats.org/officeDocument/2006/relationships" xmlns:p="http://schemas.openxmlformats.org/presentationml/2006/main">
+  <p:cSld>
+    <p:spTree>
+      <p:nvGrpSpPr>
+        <p:cNvPr id="1" name=""/>
+        <p:cNvGrpSpPr/>
+        <p:nvPr/>
+      </p:nvGrpSpPr>
+      <p:grpSpPr>
+        <a:xfrm>
+          <a:off x="0" y="0"/>
+          <a:ext cx="0" cy="0"/>
+          <a:chOff x="0" y="0"/>
+          <a:chExt cx="0" cy="0"/>
+        </a:xfrm>
+      </p:grpSpPr>
+      <p:sp>
+        <p:nvSpPr>
+          <p:cNvPr id="2" name="Title 1">
+            <a:extLst>
+              <a:ext uri="{FF2B5EF4-FFF2-40B4-BE49-F238E27FC236}">
+                <a16:creationId xmlns:a16="http://schemas.microsoft.com/office/drawing/2014/main" id="{6BE0ECFB-1CC1-3CA6-EE05-F84F868404A9}"/>
+              </a:ext>
+            </a:extLst>
+          </p:cNvPr>
+          <p:cNvSpPr>
+            <a:spLocks noGrp="1"/>
+          </p:cNvSpPr>
+          <p:nvPr>
+            <p:ph type="ctrTitle"/>
+          </p:nvPr>
+        </p:nvSpPr>
+        <p:spPr/>
+        <p:txBody>
+          <a:bodyPr/>
+          <a:lstStyle/>
+          <a:p>
+            <a:r>
+              <a:rPr lang="en-US" dirty="0"/>
+              <a:t>Recursion</a:t>
+            </a:r>
+          </a:p>
+        </p:txBody>
+      </p:sp>
+      <p:sp>
+        <p:nvSpPr>
+          <p:cNvPr id="3" name="Subtitle 2">
+            <a:extLst>
+              <a:ext uri="{FF2B5EF4-FFF2-40B4-BE49-F238E27FC236}">
+                <a16:creationId xmlns:a16="http://schemas.microsoft.com/office/drawing/2014/main" id="{EEE395D9-054F-DBCF-0889-41A8833F98E0}"/>
+              </a:ext>
+            </a:extLst>
+          </p:cNvPr>
+          <p:cNvSpPr>
+            <a:spLocks noGrp="1"/>
+          </p:cNvSpPr>
+          <p:nvPr>
+            <p:ph type="subTitle" idx="1"/>
+          </p:nvPr>
+        </p:nvSpPr>
+        <p:spPr/>
+        <p:txBody>
+          <a:bodyPr/>
+          <a:lstStyle/>
+          <a:p>
+            <a:endParaRPr lang="en-US"/>
+          </a:p>
+        </p:txBody>
+      </p:sp>
+    </p:spTree>
+    <p:extLst>
+      <p:ext uri="{BB962C8B-B14F-4D97-AF65-F5344CB8AC3E}">
+        <p14:creationId xmlns:p14="http://schemas.microsoft.com/office/powerpoint/2010/main" val="1202995889"/>
+      </p:ext>
+    </p:extLst>
+  </p:cSld>
+  <p:clrMapOvr>
+    <a:masterClrMapping/>
+  </p:clrMapOvr>
+</p:sld>
+</file>
+
+<file path=ppt/slides/slide3.xml><?xml version="1.0" encoding="utf-8"?>
 <p:sld xmlns:a="http://schemas.openxmlformats.org/drawingml/2006/main" xmlns:r="http://schemas.openxmlformats.org/officeDocument/2006/relationships" xmlns:p="http://schemas.openxmlformats.org/presentationml/2006/main">
   <p:cSld>
     <p:spTree>
@@ -4937,7 +5561,7 @@
 </p:sld>
 </file>
 
-<file path=ppt/slides/slide3.xml><?xml version="1.0" encoding="utf-8"?>
+<file path=ppt/slides/slide4.xml><?xml version="1.0" encoding="utf-8"?>
 <p:sld xmlns:a="http://schemas.openxmlformats.org/drawingml/2006/main" xmlns:r="http://schemas.openxmlformats.org/officeDocument/2006/relationships" xmlns:p="http://schemas.openxmlformats.org/presentationml/2006/main">
   <p:cSld>
     <p:spTree>
@@ -5060,7 +5684,7 @@
 </p:sld>
 </file>
 
-<file path=ppt/slides/slide4.xml><?xml version="1.0" encoding="utf-8"?>
+<file path=ppt/slides/slide5.xml><?xml version="1.0" encoding="utf-8"?>
 <p:sld xmlns:a="http://schemas.openxmlformats.org/drawingml/2006/main" xmlns:r="http://schemas.openxmlformats.org/officeDocument/2006/relationships" xmlns:p="http://schemas.openxmlformats.org/presentationml/2006/main">
   <p:cSld>
     <p:bg>
@@ -5334,7 +5958,7 @@
 </p:sld>
 </file>
 
-<file path=ppt/slides/slide5.xml><?xml version="1.0" encoding="utf-8"?>
+<file path=ppt/slides/slide6.xml><?xml version="1.0" encoding="utf-8"?>
 <p:sld xmlns:a="http://schemas.openxmlformats.org/drawingml/2006/main" xmlns:r="http://schemas.openxmlformats.org/officeDocument/2006/relationships" xmlns:p="http://schemas.openxmlformats.org/presentationml/2006/main">
   <p:cSld>
     <p:bg>
@@ -5725,7 +6349,7 @@
 </p:sld>
 </file>
 
-<file path=ppt/slides/slide6.xml><?xml version="1.0" encoding="utf-8"?>
+<file path=ppt/slides/slide7.xml><?xml version="1.0" encoding="utf-8"?>
 <p:sld xmlns:a="http://schemas.openxmlformats.org/drawingml/2006/main" xmlns:r="http://schemas.openxmlformats.org/officeDocument/2006/relationships" xmlns:p="http://schemas.openxmlformats.org/presentationml/2006/main">
   <p:cSld>
     <p:spTree>
@@ -5856,7 +6480,7 @@
 </p:sld>
 </file>
 
-<file path=ppt/slides/slide7.xml><?xml version="1.0" encoding="utf-8"?>
+<file path=ppt/slides/slide8.xml><?xml version="1.0" encoding="utf-8"?>
 <p:sld xmlns:a="http://schemas.openxmlformats.org/drawingml/2006/main" xmlns:r="http://schemas.openxmlformats.org/officeDocument/2006/relationships" xmlns:p="http://schemas.openxmlformats.org/presentationml/2006/main">
   <p:cSld>
     <p:bg>
@@ -6056,8 +6680,8 @@
             <a:chExt cx="3324960" cy="4003560"/>
           </a:xfrm>
         </p:grpSpPr>
-        <mc:AlternateContent xmlns:mc="http://schemas.openxmlformats.org/markup-compatibility/2006">
-          <mc:Choice xmlns:p14="http://schemas.microsoft.com/office/powerpoint/2010/main" Requires="p14">
+        <mc:AlternateContent xmlns:mc="http://schemas.openxmlformats.org/markup-compatibility/2006" xmlns:p14="http://schemas.microsoft.com/office/powerpoint/2010/main">
+          <mc:Choice Requires="p14">
             <p:contentPart p14:bwMode="auto" r:id="rId3">
               <p14:nvContentPartPr>
                 <p14:cNvPr id="6" name="Ink 5">
@@ -6076,7 +6700,7 @@
               </p14:xfrm>
             </p:contentPart>
           </mc:Choice>
-          <mc:Fallback>
+          <mc:Fallback xmlns="">
             <p:pic>
               <p:nvPicPr>
                 <p:cNvPr id="6" name="Ink 5">
@@ -6107,8 +6731,8 @@
             </p:pic>
           </mc:Fallback>
         </mc:AlternateContent>
-        <mc:AlternateContent xmlns:mc="http://schemas.openxmlformats.org/markup-compatibility/2006">
-          <mc:Choice xmlns:p14="http://schemas.microsoft.com/office/powerpoint/2010/main" Requires="p14">
+        <mc:AlternateContent xmlns:mc="http://schemas.openxmlformats.org/markup-compatibility/2006" xmlns:p14="http://schemas.microsoft.com/office/powerpoint/2010/main">
+          <mc:Choice Requires="p14">
             <p:contentPart p14:bwMode="auto" r:id="rId5">
               <p14:nvContentPartPr>
                 <p14:cNvPr id="7" name="Ink 6">
@@ -6127,7 +6751,7 @@
               </p14:xfrm>
             </p:contentPart>
           </mc:Choice>
-          <mc:Fallback>
+          <mc:Fallback xmlns="">
             <p:pic>
               <p:nvPicPr>
                 <p:cNvPr id="7" name="Ink 6">
@@ -6158,8 +6782,8 @@
             </p:pic>
           </mc:Fallback>
         </mc:AlternateContent>
-        <mc:AlternateContent xmlns:mc="http://schemas.openxmlformats.org/markup-compatibility/2006">
-          <mc:Choice xmlns:p14="http://schemas.microsoft.com/office/powerpoint/2010/main" Requires="p14">
+        <mc:AlternateContent xmlns:mc="http://schemas.openxmlformats.org/markup-compatibility/2006" xmlns:p14="http://schemas.microsoft.com/office/powerpoint/2010/main">
+          <mc:Choice Requires="p14">
             <p:contentPart p14:bwMode="auto" r:id="rId7">
               <p14:nvContentPartPr>
                 <p14:cNvPr id="9" name="Ink 8">
@@ -6178,7 +6802,7 @@
               </p14:xfrm>
             </p:contentPart>
           </mc:Choice>
-          <mc:Fallback>
+          <mc:Fallback xmlns="">
             <p:pic>
               <p:nvPicPr>
                 <p:cNvPr id="9" name="Ink 8">
@@ -6209,8 +6833,8 @@
             </p:pic>
           </mc:Fallback>
         </mc:AlternateContent>
-        <mc:AlternateContent xmlns:mc="http://schemas.openxmlformats.org/markup-compatibility/2006">
-          <mc:Choice xmlns:p14="http://schemas.microsoft.com/office/powerpoint/2010/main" Requires="p14">
+        <mc:AlternateContent xmlns:mc="http://schemas.openxmlformats.org/markup-compatibility/2006" xmlns:p14="http://schemas.microsoft.com/office/powerpoint/2010/main">
+          <mc:Choice Requires="p14">
             <p:contentPart p14:bwMode="auto" r:id="rId9">
               <p14:nvContentPartPr>
                 <p14:cNvPr id="10" name="Ink 9">
@@ -6229,7 +6853,7 @@
               </p14:xfrm>
             </p:contentPart>
           </mc:Choice>
-          <mc:Fallback>
+          <mc:Fallback xmlns="">
             <p:pic>
               <p:nvPicPr>
                 <p:cNvPr id="10" name="Ink 9">
@@ -6260,8 +6884,8 @@
             </p:pic>
           </mc:Fallback>
         </mc:AlternateContent>
-        <mc:AlternateContent xmlns:mc="http://schemas.openxmlformats.org/markup-compatibility/2006">
-          <mc:Choice xmlns:p14="http://schemas.microsoft.com/office/powerpoint/2010/main" Requires="p14">
+        <mc:AlternateContent xmlns:mc="http://schemas.openxmlformats.org/markup-compatibility/2006" xmlns:p14="http://schemas.microsoft.com/office/powerpoint/2010/main">
+          <mc:Choice Requires="p14">
             <p:contentPart p14:bwMode="auto" r:id="rId11">
               <p14:nvContentPartPr>
                 <p14:cNvPr id="11" name="Ink 10">
@@ -6280,7 +6904,7 @@
               </p14:xfrm>
             </p:contentPart>
           </mc:Choice>
-          <mc:Fallback>
+          <mc:Fallback xmlns="">
             <p:pic>
               <p:nvPicPr>
                 <p:cNvPr id="11" name="Ink 10">
@@ -6311,8 +6935,8 @@
             </p:pic>
           </mc:Fallback>
         </mc:AlternateContent>
-        <mc:AlternateContent xmlns:mc="http://schemas.openxmlformats.org/markup-compatibility/2006">
-          <mc:Choice xmlns:p14="http://schemas.microsoft.com/office/powerpoint/2010/main" Requires="p14">
+        <mc:AlternateContent xmlns:mc="http://schemas.openxmlformats.org/markup-compatibility/2006" xmlns:p14="http://schemas.microsoft.com/office/powerpoint/2010/main">
+          <mc:Choice Requires="p14">
             <p:contentPart p14:bwMode="auto" r:id="rId13">
               <p14:nvContentPartPr>
                 <p14:cNvPr id="12" name="Ink 11">
@@ -6331,7 +6955,7 @@
               </p14:xfrm>
             </p:contentPart>
           </mc:Choice>
-          <mc:Fallback>
+          <mc:Fallback xmlns="">
             <p:pic>
               <p:nvPicPr>
                 <p:cNvPr id="12" name="Ink 11">
@@ -6362,8 +6986,8 @@
             </p:pic>
           </mc:Fallback>
         </mc:AlternateContent>
-        <mc:AlternateContent xmlns:mc="http://schemas.openxmlformats.org/markup-compatibility/2006">
-          <mc:Choice xmlns:p14="http://schemas.microsoft.com/office/powerpoint/2010/main" Requires="p14">
+        <mc:AlternateContent xmlns:mc="http://schemas.openxmlformats.org/markup-compatibility/2006" xmlns:p14="http://schemas.microsoft.com/office/powerpoint/2010/main">
+          <mc:Choice Requires="p14">
             <p:contentPart p14:bwMode="auto" r:id="rId15">
               <p14:nvContentPartPr>
                 <p14:cNvPr id="13" name="Ink 12">
@@ -6382,7 +7006,7 @@
               </p14:xfrm>
             </p:contentPart>
           </mc:Choice>
-          <mc:Fallback>
+          <mc:Fallback xmlns="">
             <p:pic>
               <p:nvPicPr>
                 <p:cNvPr id="13" name="Ink 12">
@@ -6413,8 +7037,8 @@
             </p:pic>
           </mc:Fallback>
         </mc:AlternateContent>
-        <mc:AlternateContent xmlns:mc="http://schemas.openxmlformats.org/markup-compatibility/2006">
-          <mc:Choice xmlns:p14="http://schemas.microsoft.com/office/powerpoint/2010/main" Requires="p14">
+        <mc:AlternateContent xmlns:mc="http://schemas.openxmlformats.org/markup-compatibility/2006" xmlns:p14="http://schemas.microsoft.com/office/powerpoint/2010/main">
+          <mc:Choice Requires="p14">
             <p:contentPart p14:bwMode="auto" r:id="rId17">
               <p14:nvContentPartPr>
                 <p14:cNvPr id="14" name="Ink 13">
@@ -6433,7 +7057,7 @@
               </p14:xfrm>
             </p:contentPart>
           </mc:Choice>
-          <mc:Fallback>
+          <mc:Fallback xmlns="">
             <p:pic>
               <p:nvPicPr>
                 <p:cNvPr id="14" name="Ink 13">
@@ -6464,8 +7088,8 @@
             </p:pic>
           </mc:Fallback>
         </mc:AlternateContent>
-        <mc:AlternateContent xmlns:mc="http://schemas.openxmlformats.org/markup-compatibility/2006">
-          <mc:Choice xmlns:p14="http://schemas.microsoft.com/office/powerpoint/2010/main" Requires="p14">
+        <mc:AlternateContent xmlns:mc="http://schemas.openxmlformats.org/markup-compatibility/2006" xmlns:p14="http://schemas.microsoft.com/office/powerpoint/2010/main">
+          <mc:Choice Requires="p14">
             <p:contentPart p14:bwMode="auto" r:id="rId19">
               <p14:nvContentPartPr>
                 <p14:cNvPr id="16" name="Ink 15">
@@ -6484,7 +7108,7 @@
               </p14:xfrm>
             </p:contentPart>
           </mc:Choice>
-          <mc:Fallback>
+          <mc:Fallback xmlns="">
             <p:pic>
               <p:nvPicPr>
                 <p:cNvPr id="16" name="Ink 15">
@@ -6515,8 +7139,8 @@
             </p:pic>
           </mc:Fallback>
         </mc:AlternateContent>
-        <mc:AlternateContent xmlns:mc="http://schemas.openxmlformats.org/markup-compatibility/2006">
-          <mc:Choice xmlns:p14="http://schemas.microsoft.com/office/powerpoint/2010/main" Requires="p14">
+        <mc:AlternateContent xmlns:mc="http://schemas.openxmlformats.org/markup-compatibility/2006" xmlns:p14="http://schemas.microsoft.com/office/powerpoint/2010/main">
+          <mc:Choice Requires="p14">
             <p:contentPart p14:bwMode="auto" r:id="rId21">
               <p14:nvContentPartPr>
                 <p14:cNvPr id="17" name="Ink 16">
@@ -6535,7 +7159,7 @@
               </p14:xfrm>
             </p:contentPart>
           </mc:Choice>
-          <mc:Fallback>
+          <mc:Fallback xmlns="">
             <p:pic>
               <p:nvPicPr>
                 <p:cNvPr id="17" name="Ink 16">
@@ -6566,8 +7190,8 @@
             </p:pic>
           </mc:Fallback>
         </mc:AlternateContent>
-        <mc:AlternateContent xmlns:mc="http://schemas.openxmlformats.org/markup-compatibility/2006">
-          <mc:Choice xmlns:p14="http://schemas.microsoft.com/office/powerpoint/2010/main" Requires="p14">
+        <mc:AlternateContent xmlns:mc="http://schemas.openxmlformats.org/markup-compatibility/2006" xmlns:p14="http://schemas.microsoft.com/office/powerpoint/2010/main">
+          <mc:Choice Requires="p14">
             <p:contentPart p14:bwMode="auto" r:id="rId23">
               <p14:nvContentPartPr>
                 <p14:cNvPr id="18" name="Ink 17">
@@ -6586,7 +7210,7 @@
               </p14:xfrm>
             </p:contentPart>
           </mc:Choice>
-          <mc:Fallback>
+          <mc:Fallback xmlns="">
             <p:pic>
               <p:nvPicPr>
                 <p:cNvPr id="18" name="Ink 17">
@@ -6617,8 +7241,8 @@
             </p:pic>
           </mc:Fallback>
         </mc:AlternateContent>
-        <mc:AlternateContent xmlns:mc="http://schemas.openxmlformats.org/markup-compatibility/2006">
-          <mc:Choice xmlns:p14="http://schemas.microsoft.com/office/powerpoint/2010/main" Requires="p14">
+        <mc:AlternateContent xmlns:mc="http://schemas.openxmlformats.org/markup-compatibility/2006" xmlns:p14="http://schemas.microsoft.com/office/powerpoint/2010/main">
+          <mc:Choice Requires="p14">
             <p:contentPart p14:bwMode="auto" r:id="rId25">
               <p14:nvContentPartPr>
                 <p14:cNvPr id="19" name="Ink 18">
@@ -6637,7 +7261,7 @@
               </p14:xfrm>
             </p:contentPart>
           </mc:Choice>
-          <mc:Fallback>
+          <mc:Fallback xmlns="">
             <p:pic>
               <p:nvPicPr>
                 <p:cNvPr id="19" name="Ink 18">
@@ -6668,8 +7292,8 @@
             </p:pic>
           </mc:Fallback>
         </mc:AlternateContent>
-        <mc:AlternateContent xmlns:mc="http://schemas.openxmlformats.org/markup-compatibility/2006">
-          <mc:Choice xmlns:p14="http://schemas.microsoft.com/office/powerpoint/2010/main" Requires="p14">
+        <mc:AlternateContent xmlns:mc="http://schemas.openxmlformats.org/markup-compatibility/2006" xmlns:p14="http://schemas.microsoft.com/office/powerpoint/2010/main">
+          <mc:Choice Requires="p14">
             <p:contentPart p14:bwMode="auto" r:id="rId27">
               <p14:nvContentPartPr>
                 <p14:cNvPr id="20" name="Ink 19">
@@ -6688,7 +7312,7 @@
               </p14:xfrm>
             </p:contentPart>
           </mc:Choice>
-          <mc:Fallback>
+          <mc:Fallback xmlns="">
             <p:pic>
               <p:nvPicPr>
                 <p:cNvPr id="20" name="Ink 19">
@@ -6719,8 +7343,8 @@
             </p:pic>
           </mc:Fallback>
         </mc:AlternateContent>
-        <mc:AlternateContent xmlns:mc="http://schemas.openxmlformats.org/markup-compatibility/2006">
-          <mc:Choice xmlns:p14="http://schemas.microsoft.com/office/powerpoint/2010/main" Requires="p14">
+        <mc:AlternateContent xmlns:mc="http://schemas.openxmlformats.org/markup-compatibility/2006" xmlns:p14="http://schemas.microsoft.com/office/powerpoint/2010/main">
+          <mc:Choice Requires="p14">
             <p:contentPart p14:bwMode="auto" r:id="rId29">
               <p14:nvContentPartPr>
                 <p14:cNvPr id="21" name="Ink 20">
@@ -6739,7 +7363,7 @@
               </p14:xfrm>
             </p:contentPart>
           </mc:Choice>
-          <mc:Fallback>
+          <mc:Fallback xmlns="">
             <p:pic>
               <p:nvPicPr>
                 <p:cNvPr id="21" name="Ink 20">
@@ -6770,8 +7394,8 @@
             </p:pic>
           </mc:Fallback>
         </mc:AlternateContent>
-        <mc:AlternateContent xmlns:mc="http://schemas.openxmlformats.org/markup-compatibility/2006">
-          <mc:Choice xmlns:p14="http://schemas.microsoft.com/office/powerpoint/2010/main" Requires="p14">
+        <mc:AlternateContent xmlns:mc="http://schemas.openxmlformats.org/markup-compatibility/2006" xmlns:p14="http://schemas.microsoft.com/office/powerpoint/2010/main">
+          <mc:Choice Requires="p14">
             <p:contentPart p14:bwMode="auto" r:id="rId31">
               <p14:nvContentPartPr>
                 <p14:cNvPr id="22" name="Ink 21">
@@ -6790,7 +7414,7 @@
               </p14:xfrm>
             </p:contentPart>
           </mc:Choice>
-          <mc:Fallback>
+          <mc:Fallback xmlns="">
             <p:pic>
               <p:nvPicPr>
                 <p:cNvPr id="22" name="Ink 21">
@@ -6821,8 +7445,8 @@
             </p:pic>
           </mc:Fallback>
         </mc:AlternateContent>
-        <mc:AlternateContent xmlns:mc="http://schemas.openxmlformats.org/markup-compatibility/2006">
-          <mc:Choice xmlns:p14="http://schemas.microsoft.com/office/powerpoint/2010/main" Requires="p14">
+        <mc:AlternateContent xmlns:mc="http://schemas.openxmlformats.org/markup-compatibility/2006" xmlns:p14="http://schemas.microsoft.com/office/powerpoint/2010/main">
+          <mc:Choice Requires="p14">
             <p:contentPart p14:bwMode="auto" r:id="rId33">
               <p14:nvContentPartPr>
                 <p14:cNvPr id="23" name="Ink 22">
@@ -6841,7 +7465,7 @@
               </p14:xfrm>
             </p:contentPart>
           </mc:Choice>
-          <mc:Fallback>
+          <mc:Fallback xmlns="">
             <p:pic>
               <p:nvPicPr>
                 <p:cNvPr id="23" name="Ink 22">
@@ -6872,8 +7496,8 @@
             </p:pic>
           </mc:Fallback>
         </mc:AlternateContent>
-        <mc:AlternateContent xmlns:mc="http://schemas.openxmlformats.org/markup-compatibility/2006">
-          <mc:Choice xmlns:p14="http://schemas.microsoft.com/office/powerpoint/2010/main" Requires="p14">
+        <mc:AlternateContent xmlns:mc="http://schemas.openxmlformats.org/markup-compatibility/2006" xmlns:p14="http://schemas.microsoft.com/office/powerpoint/2010/main">
+          <mc:Choice Requires="p14">
             <p:contentPart p14:bwMode="auto" r:id="rId35">
               <p14:nvContentPartPr>
                 <p14:cNvPr id="24" name="Ink 23">
@@ -6892,7 +7516,7 @@
               </p14:xfrm>
             </p:contentPart>
           </mc:Choice>
-          <mc:Fallback>
+          <mc:Fallback xmlns="">
             <p:pic>
               <p:nvPicPr>
                 <p:cNvPr id="24" name="Ink 23">
@@ -6944,8 +7568,8 @@
             <a:chExt cx="3108240" cy="740160"/>
           </a:xfrm>
         </p:grpSpPr>
-        <mc:AlternateContent xmlns:mc="http://schemas.openxmlformats.org/markup-compatibility/2006">
-          <mc:Choice xmlns:p14="http://schemas.microsoft.com/office/powerpoint/2010/main" Requires="p14">
+        <mc:AlternateContent xmlns:mc="http://schemas.openxmlformats.org/markup-compatibility/2006" xmlns:p14="http://schemas.microsoft.com/office/powerpoint/2010/main">
+          <mc:Choice Requires="p14">
             <p:contentPart p14:bwMode="auto" r:id="rId37">
               <p14:nvContentPartPr>
                 <p14:cNvPr id="26" name="Ink 25">
@@ -6964,7 +7588,7 @@
               </p14:xfrm>
             </p:contentPart>
           </mc:Choice>
-          <mc:Fallback>
+          <mc:Fallback xmlns="">
             <p:pic>
               <p:nvPicPr>
                 <p:cNvPr id="26" name="Ink 25">
@@ -6995,8 +7619,8 @@
             </p:pic>
           </mc:Fallback>
         </mc:AlternateContent>
-        <mc:AlternateContent xmlns:mc="http://schemas.openxmlformats.org/markup-compatibility/2006">
-          <mc:Choice xmlns:p14="http://schemas.microsoft.com/office/powerpoint/2010/main" Requires="p14">
+        <mc:AlternateContent xmlns:mc="http://schemas.openxmlformats.org/markup-compatibility/2006" xmlns:p14="http://schemas.microsoft.com/office/powerpoint/2010/main">
+          <mc:Choice Requires="p14">
             <p:contentPart p14:bwMode="auto" r:id="rId39">
               <p14:nvContentPartPr>
                 <p14:cNvPr id="27" name="Ink 26">
@@ -7015,7 +7639,7 @@
               </p14:xfrm>
             </p:contentPart>
           </mc:Choice>
-          <mc:Fallback>
+          <mc:Fallback xmlns="">
             <p:pic>
               <p:nvPicPr>
                 <p:cNvPr id="27" name="Ink 26">
@@ -7046,8 +7670,8 @@
             </p:pic>
           </mc:Fallback>
         </mc:AlternateContent>
-        <mc:AlternateContent xmlns:mc="http://schemas.openxmlformats.org/markup-compatibility/2006">
-          <mc:Choice xmlns:p14="http://schemas.microsoft.com/office/powerpoint/2010/main" Requires="p14">
+        <mc:AlternateContent xmlns:mc="http://schemas.openxmlformats.org/markup-compatibility/2006" xmlns:p14="http://schemas.microsoft.com/office/powerpoint/2010/main">
+          <mc:Choice Requires="p14">
             <p:contentPart p14:bwMode="auto" r:id="rId41">
               <p14:nvContentPartPr>
                 <p14:cNvPr id="28" name="Ink 27">
@@ -7066,7 +7690,7 @@
               </p14:xfrm>
             </p:contentPart>
           </mc:Choice>
-          <mc:Fallback>
+          <mc:Fallback xmlns="">
             <p:pic>
               <p:nvPicPr>
                 <p:cNvPr id="28" name="Ink 27">
@@ -7097,8 +7721,8 @@
             </p:pic>
           </mc:Fallback>
         </mc:AlternateContent>
-        <mc:AlternateContent xmlns:mc="http://schemas.openxmlformats.org/markup-compatibility/2006">
-          <mc:Choice xmlns:p14="http://schemas.microsoft.com/office/powerpoint/2010/main" Requires="p14">
+        <mc:AlternateContent xmlns:mc="http://schemas.openxmlformats.org/markup-compatibility/2006" xmlns:p14="http://schemas.microsoft.com/office/powerpoint/2010/main">
+          <mc:Choice Requires="p14">
             <p:contentPart p14:bwMode="auto" r:id="rId43">
               <p14:nvContentPartPr>
                 <p14:cNvPr id="29" name="Ink 28">
@@ -7117,7 +7741,7 @@
               </p14:xfrm>
             </p:contentPart>
           </mc:Choice>
-          <mc:Fallback>
+          <mc:Fallback xmlns="">
             <p:pic>
               <p:nvPicPr>
                 <p:cNvPr id="29" name="Ink 28">
@@ -7169,8 +7793,8 @@
             <a:chExt cx="1619640" cy="627840"/>
           </a:xfrm>
         </p:grpSpPr>
-        <mc:AlternateContent xmlns:mc="http://schemas.openxmlformats.org/markup-compatibility/2006">
-          <mc:Choice xmlns:p14="http://schemas.microsoft.com/office/powerpoint/2010/main" Requires="p14">
+        <mc:AlternateContent xmlns:mc="http://schemas.openxmlformats.org/markup-compatibility/2006" xmlns:p14="http://schemas.microsoft.com/office/powerpoint/2010/main">
+          <mc:Choice Requires="p14">
             <p:contentPart p14:bwMode="auto" r:id="rId45">
               <p14:nvContentPartPr>
                 <p14:cNvPr id="31" name="Ink 30">
@@ -7189,7 +7813,7 @@
               </p14:xfrm>
             </p:contentPart>
           </mc:Choice>
-          <mc:Fallback>
+          <mc:Fallback xmlns="">
             <p:pic>
               <p:nvPicPr>
                 <p:cNvPr id="31" name="Ink 30">
@@ -7220,8 +7844,8 @@
             </p:pic>
           </mc:Fallback>
         </mc:AlternateContent>
-        <mc:AlternateContent xmlns:mc="http://schemas.openxmlformats.org/markup-compatibility/2006">
-          <mc:Choice xmlns:p14="http://schemas.microsoft.com/office/powerpoint/2010/main" Requires="p14">
+        <mc:AlternateContent xmlns:mc="http://schemas.openxmlformats.org/markup-compatibility/2006" xmlns:p14="http://schemas.microsoft.com/office/powerpoint/2010/main">
+          <mc:Choice Requires="p14">
             <p:contentPart p14:bwMode="auto" r:id="rId47">
               <p14:nvContentPartPr>
                 <p14:cNvPr id="32" name="Ink 31">
@@ -7240,7 +7864,7 @@
               </p14:xfrm>
             </p:contentPart>
           </mc:Choice>
-          <mc:Fallback>
+          <mc:Fallback xmlns="">
             <p:pic>
               <p:nvPicPr>
                 <p:cNvPr id="32" name="Ink 31">
@@ -7271,8 +7895,8 @@
             </p:pic>
           </mc:Fallback>
         </mc:AlternateContent>
-        <mc:AlternateContent xmlns:mc="http://schemas.openxmlformats.org/markup-compatibility/2006">
-          <mc:Choice xmlns:p14="http://schemas.microsoft.com/office/powerpoint/2010/main" Requires="p14">
+        <mc:AlternateContent xmlns:mc="http://schemas.openxmlformats.org/markup-compatibility/2006" xmlns:p14="http://schemas.microsoft.com/office/powerpoint/2010/main">
+          <mc:Choice Requires="p14">
             <p:contentPart p14:bwMode="auto" r:id="rId49">
               <p14:nvContentPartPr>
                 <p14:cNvPr id="33" name="Ink 32">
@@ -7291,7 +7915,7 @@
               </p14:xfrm>
             </p:contentPart>
           </mc:Choice>
-          <mc:Fallback>
+          <mc:Fallback xmlns="">
             <p:pic>
               <p:nvPicPr>
                 <p:cNvPr id="33" name="Ink 32">
@@ -7322,8 +7946,8 @@
             </p:pic>
           </mc:Fallback>
         </mc:AlternateContent>
-        <mc:AlternateContent xmlns:mc="http://schemas.openxmlformats.org/markup-compatibility/2006">
-          <mc:Choice xmlns:p14="http://schemas.microsoft.com/office/powerpoint/2010/main" Requires="p14">
+        <mc:AlternateContent xmlns:mc="http://schemas.openxmlformats.org/markup-compatibility/2006" xmlns:p14="http://schemas.microsoft.com/office/powerpoint/2010/main">
+          <mc:Choice Requires="p14">
             <p:contentPart p14:bwMode="auto" r:id="rId51">
               <p14:nvContentPartPr>
                 <p14:cNvPr id="34" name="Ink 33">
@@ -7342,7 +7966,7 @@
               </p14:xfrm>
             </p:contentPart>
           </mc:Choice>
-          <mc:Fallback>
+          <mc:Fallback xmlns="">
             <p:pic>
               <p:nvPicPr>
                 <p:cNvPr id="34" name="Ink 33">
@@ -7373,8 +7997,8 @@
             </p:pic>
           </mc:Fallback>
         </mc:AlternateContent>
-        <mc:AlternateContent xmlns:mc="http://schemas.openxmlformats.org/markup-compatibility/2006">
-          <mc:Choice xmlns:p14="http://schemas.microsoft.com/office/powerpoint/2010/main" Requires="p14">
+        <mc:AlternateContent xmlns:mc="http://schemas.openxmlformats.org/markup-compatibility/2006" xmlns:p14="http://schemas.microsoft.com/office/powerpoint/2010/main">
+          <mc:Choice Requires="p14">
             <p:contentPart p14:bwMode="auto" r:id="rId53">
               <p14:nvContentPartPr>
                 <p14:cNvPr id="36" name="Ink 35">
@@ -7393,7 +8017,7 @@
               </p14:xfrm>
             </p:contentPart>
           </mc:Choice>
-          <mc:Fallback>
+          <mc:Fallback xmlns="">
             <p:pic>
               <p:nvPicPr>
                 <p:cNvPr id="36" name="Ink 35">
@@ -7424,8 +8048,8 @@
             </p:pic>
           </mc:Fallback>
         </mc:AlternateContent>
-        <mc:AlternateContent xmlns:mc="http://schemas.openxmlformats.org/markup-compatibility/2006">
-          <mc:Choice xmlns:p14="http://schemas.microsoft.com/office/powerpoint/2010/main" Requires="p14">
+        <mc:AlternateContent xmlns:mc="http://schemas.openxmlformats.org/markup-compatibility/2006" xmlns:p14="http://schemas.microsoft.com/office/powerpoint/2010/main">
+          <mc:Choice Requires="p14">
             <p:contentPart p14:bwMode="auto" r:id="rId55">
               <p14:nvContentPartPr>
                 <p14:cNvPr id="37" name="Ink 36">
@@ -7444,7 +8068,7 @@
               </p14:xfrm>
             </p:contentPart>
           </mc:Choice>
-          <mc:Fallback>
+          <mc:Fallback xmlns="">
             <p:pic>
               <p:nvPicPr>
                 <p:cNvPr id="37" name="Ink 36">
@@ -7475,8 +8099,8 @@
             </p:pic>
           </mc:Fallback>
         </mc:AlternateContent>
-        <mc:AlternateContent xmlns:mc="http://schemas.openxmlformats.org/markup-compatibility/2006">
-          <mc:Choice xmlns:p14="http://schemas.microsoft.com/office/powerpoint/2010/main" Requires="p14">
+        <mc:AlternateContent xmlns:mc="http://schemas.openxmlformats.org/markup-compatibility/2006" xmlns:p14="http://schemas.microsoft.com/office/powerpoint/2010/main">
+          <mc:Choice Requires="p14">
             <p:contentPart p14:bwMode="auto" r:id="rId57">
               <p14:nvContentPartPr>
                 <p14:cNvPr id="38" name="Ink 37">
@@ -7495,7 +8119,7 @@
               </p14:xfrm>
             </p:contentPart>
           </mc:Choice>
-          <mc:Fallback>
+          <mc:Fallback xmlns="">
             <p:pic>
               <p:nvPicPr>
                 <p:cNvPr id="38" name="Ink 37">
@@ -7526,8 +8150,8 @@
             </p:pic>
           </mc:Fallback>
         </mc:AlternateContent>
-        <mc:AlternateContent xmlns:mc="http://schemas.openxmlformats.org/markup-compatibility/2006">
-          <mc:Choice xmlns:p14="http://schemas.microsoft.com/office/powerpoint/2010/main" Requires="p14">
+        <mc:AlternateContent xmlns:mc="http://schemas.openxmlformats.org/markup-compatibility/2006" xmlns:p14="http://schemas.microsoft.com/office/powerpoint/2010/main">
+          <mc:Choice Requires="p14">
             <p:contentPart p14:bwMode="auto" r:id="rId59">
               <p14:nvContentPartPr>
                 <p14:cNvPr id="39" name="Ink 38">
@@ -7546,7 +8170,7 @@
               </p14:xfrm>
             </p:contentPart>
           </mc:Choice>
-          <mc:Fallback>
+          <mc:Fallback xmlns="">
             <p:pic>
               <p:nvPicPr>
                 <p:cNvPr id="39" name="Ink 38">
@@ -7577,8 +8201,8 @@
             </p:pic>
           </mc:Fallback>
         </mc:AlternateContent>
-        <mc:AlternateContent xmlns:mc="http://schemas.openxmlformats.org/markup-compatibility/2006">
-          <mc:Choice xmlns:p14="http://schemas.microsoft.com/office/powerpoint/2010/main" Requires="p14">
+        <mc:AlternateContent xmlns:mc="http://schemas.openxmlformats.org/markup-compatibility/2006" xmlns:p14="http://schemas.microsoft.com/office/powerpoint/2010/main">
+          <mc:Choice Requires="p14">
             <p:contentPart p14:bwMode="auto" r:id="rId61">
               <p14:nvContentPartPr>
                 <p14:cNvPr id="40" name="Ink 39">
@@ -7597,7 +8221,7 @@
               </p14:xfrm>
             </p:contentPart>
           </mc:Choice>
-          <mc:Fallback>
+          <mc:Fallback xmlns="">
             <p:pic>
               <p:nvPicPr>
                 <p:cNvPr id="40" name="Ink 39">
@@ -7642,7 +8266,7 @@
 </p:sld>
 </file>
 
-<file path=ppt/slides/slide8.xml><?xml version="1.0" encoding="utf-8"?>
+<file path=ppt/slides/slide9.xml><?xml version="1.0" encoding="utf-8"?>
 <p:sld xmlns:a="http://schemas.openxmlformats.org/drawingml/2006/main" xmlns:r="http://schemas.openxmlformats.org/officeDocument/2006/relationships" xmlns:p="http://schemas.openxmlformats.org/presentationml/2006/main">
   <p:cSld>
     <p:spTree>
@@ -7786,452 +8410,6 @@
     <p:extLst>
       <p:ext uri="{BB962C8B-B14F-4D97-AF65-F5344CB8AC3E}">
         <p14:creationId xmlns:p14="http://schemas.microsoft.com/office/powerpoint/2010/main" val="4279302459"/>
-      </p:ext>
-    </p:extLst>
-  </p:cSld>
-  <p:clrMapOvr>
-    <a:masterClrMapping/>
-  </p:clrMapOvr>
-</p:sld>
-</file>
-
-<file path=ppt/slides/slide9.xml><?xml version="1.0" encoding="utf-8"?>
-<p:sld xmlns:a="http://schemas.openxmlformats.org/drawingml/2006/main" xmlns:r="http://schemas.openxmlformats.org/officeDocument/2006/relationships" xmlns:p="http://schemas.openxmlformats.org/presentationml/2006/main">
-  <p:cSld>
-    <p:bg>
-      <p:bgPr>
-        <a:gradFill rotWithShape="1">
-          <a:gsLst>
-            <a:gs pos="0">
-              <a:schemeClr val="bg2">
-                <a:tint val="94000"/>
-                <a:satMod val="80000"/>
-                <a:lumMod val="106000"/>
-              </a:schemeClr>
-            </a:gs>
-            <a:gs pos="100000">
-              <a:schemeClr val="bg2">
-                <a:shade val="80000"/>
-              </a:schemeClr>
-            </a:gs>
-          </a:gsLst>
-          <a:path path="circle">
-            <a:fillToRect l="43000" r="43000" b="100000"/>
-          </a:path>
-        </a:gradFill>
-        <a:effectLst/>
-      </p:bgPr>
-    </p:bg>
-    <p:spTree>
-      <p:nvGrpSpPr>
-        <p:cNvPr id="1" name=""/>
-        <p:cNvGrpSpPr/>
-        <p:nvPr/>
-      </p:nvGrpSpPr>
-      <p:grpSpPr>
-        <a:xfrm>
-          <a:off x="0" y="0"/>
-          <a:ext cx="0" cy="0"/>
-          <a:chOff x="0" y="0"/>
-          <a:chExt cx="0" cy="0"/>
-        </a:xfrm>
-      </p:grpSpPr>
-      <p:sp useBgFill="1">
-        <p:nvSpPr>
-          <p:cNvPr id="1031" name="Rectangle 1030">
-            <a:extLst>
-              <a:ext uri="{FF2B5EF4-FFF2-40B4-BE49-F238E27FC236}">
-                <a16:creationId xmlns:a16="http://schemas.microsoft.com/office/drawing/2014/main" id="{C630F413-44CE-4746-9821-9E0107978E7A}"/>
-              </a:ext>
-              <a:ext uri="{C183D7F6-B498-43B3-948B-1728B52AA6E4}">
-                <adec:decorative xmlns:adec="http://schemas.microsoft.com/office/drawing/2017/decorative" val="1"/>
-              </a:ext>
-            </a:extLst>
-          </p:cNvPr>
-          <p:cNvSpPr>
-            <a:spLocks noGrp="1" noRot="1" noChangeAspect="1" noMove="1" noResize="1" noEditPoints="1" noAdjustHandles="1" noChangeArrowheads="1" noChangeShapeType="1" noTextEdit="1"/>
-          </p:cNvSpPr>
-          <p:nvPr>
-            <p:extLst>
-              <p:ext uri="{386F3935-93C4-4BCD-93E2-E3B085C9AB24}">
-                <p16:designElem xmlns:p16="http://schemas.microsoft.com/office/powerpoint/2015/main" val="1"/>
-              </p:ext>
-            </p:extLst>
-          </p:nvPr>
-        </p:nvSpPr>
-        <p:spPr>
-          <a:xfrm>
-            <a:off x="2" y="0"/>
-            <a:ext cx="12191695" cy="6858000"/>
-          </a:xfrm>
-          <a:prstGeom prst="rect">
-            <a:avLst/>
-          </a:prstGeom>
-          <a:ln>
-            <a:noFill/>
-          </a:ln>
-        </p:spPr>
-        <p:style>
-          <a:lnRef idx="2">
-            <a:schemeClr val="accent1">
-              <a:shade val="50000"/>
-            </a:schemeClr>
-          </a:lnRef>
-          <a:fillRef idx="1">
-            <a:schemeClr val="accent1"/>
-          </a:fillRef>
-          <a:effectRef idx="0">
-            <a:schemeClr val="accent1"/>
-          </a:effectRef>
-          <a:fontRef idx="minor">
-            <a:schemeClr val="lt1"/>
-          </a:fontRef>
-        </p:style>
-        <p:txBody>
-          <a:bodyPr rtlCol="0" anchor="ctr"/>
-          <a:lstStyle/>
-          <a:p>
-            <a:pPr algn="ctr"/>
-            <a:endParaRPr lang="en-US"/>
-          </a:p>
-        </p:txBody>
-      </p:sp>
-      <p:sp>
-        <p:nvSpPr>
-          <p:cNvPr id="1033" name="Rectangle 1032">
-            <a:extLst>
-              <a:ext uri="{FF2B5EF4-FFF2-40B4-BE49-F238E27FC236}">
-                <a16:creationId xmlns:a16="http://schemas.microsoft.com/office/drawing/2014/main" id="{22D671B1-B099-4F9C-B9CC-9D22B4DAF8A8}"/>
-              </a:ext>
-              <a:ext uri="{C183D7F6-B498-43B3-948B-1728B52AA6E4}">
-                <adec:decorative xmlns:adec="http://schemas.microsoft.com/office/drawing/2017/decorative" val="1"/>
-              </a:ext>
-            </a:extLst>
-          </p:cNvPr>
-          <p:cNvSpPr>
-            <a:spLocks noGrp="1" noRot="1" noChangeAspect="1" noMove="1" noResize="1" noEditPoints="1" noAdjustHandles="1" noChangeArrowheads="1" noChangeShapeType="1" noTextEdit="1"/>
-          </p:cNvSpPr>
-          <p:nvPr>
-            <p:extLst>
-              <p:ext uri="{386F3935-93C4-4BCD-93E2-E3B085C9AB24}">
-                <p16:designElem xmlns:p16="http://schemas.microsoft.com/office/powerpoint/2015/main" val="1"/>
-              </p:ext>
-            </p:extLst>
-          </p:nvPr>
-        </p:nvSpPr>
-        <p:spPr>
-          <a:xfrm>
-            <a:off x="0" y="2019476"/>
-            <a:ext cx="12192000" cy="4838524"/>
-          </a:xfrm>
-          <a:prstGeom prst="rect">
-            <a:avLst/>
-          </a:prstGeom>
-          <a:gradFill flip="none" rotWithShape="1">
-            <a:gsLst>
-              <a:gs pos="0">
-                <a:schemeClr val="bg2">
-                  <a:alpha val="0"/>
-                </a:schemeClr>
-              </a:gs>
-              <a:gs pos="100000">
-                <a:schemeClr val="bg2"/>
-              </a:gs>
-            </a:gsLst>
-            <a:lin ang="5400000" scaled="0"/>
-            <a:tileRect/>
-          </a:gradFill>
-          <a:ln>
-            <a:noFill/>
-          </a:ln>
-        </p:spPr>
-        <p:style>
-          <a:lnRef idx="2">
-            <a:schemeClr val="accent1">
-              <a:shade val="50000"/>
-            </a:schemeClr>
-          </a:lnRef>
-          <a:fillRef idx="1">
-            <a:schemeClr val="accent1"/>
-          </a:fillRef>
-          <a:effectRef idx="0">
-            <a:schemeClr val="accent1"/>
-          </a:effectRef>
-          <a:fontRef idx="minor">
-            <a:schemeClr val="lt1"/>
-          </a:fontRef>
-        </p:style>
-        <p:txBody>
-          <a:bodyPr rtlCol="0" anchor="ctr"/>
-          <a:lstStyle/>
-          <a:p>
-            <a:pPr lvl="0" algn="ctr"/>
-            <a:endParaRPr lang="en-US"/>
-          </a:p>
-        </p:txBody>
-      </p:sp>
-      <p:sp>
-        <p:nvSpPr>
-          <p:cNvPr id="2" name="Title 1">
-            <a:extLst>
-              <a:ext uri="{FF2B5EF4-FFF2-40B4-BE49-F238E27FC236}">
-                <a16:creationId xmlns:a16="http://schemas.microsoft.com/office/drawing/2014/main" id="{A9B36442-EC7B-C00C-6165-CF7C9E418BE6}"/>
-              </a:ext>
-            </a:extLst>
-          </p:cNvPr>
-          <p:cNvSpPr>
-            <a:spLocks noGrp="1"/>
-          </p:cNvSpPr>
-          <p:nvPr>
-            <p:ph type="title"/>
-          </p:nvPr>
-        </p:nvSpPr>
-        <p:spPr>
-          <a:xfrm>
-            <a:off x="7555992" y="707475"/>
-            <a:ext cx="3157577" cy="1312001"/>
-          </a:xfrm>
-        </p:spPr>
-        <p:txBody>
-          <a:bodyPr anchor="t">
-            <a:normAutofit/>
-          </a:bodyPr>
-          <a:lstStyle/>
-          <a:p>
-            <a:r>
-              <a:rPr lang="en-US" sz="2800"/>
-              <a:t>Recursion vs Iteration (loops)</a:t>
-            </a:r>
-          </a:p>
-        </p:txBody>
-      </p:sp>
-      <p:cxnSp>
-        <p:nvCxnSpPr>
-          <p:cNvPr id="1035" name="Straight Connector 1034">
-            <a:extLst>
-              <a:ext uri="{FF2B5EF4-FFF2-40B4-BE49-F238E27FC236}">
-                <a16:creationId xmlns:a16="http://schemas.microsoft.com/office/drawing/2014/main" id="{7552FBEF-FA69-427B-8245-0A518E0513D5}"/>
-              </a:ext>
-              <a:ext uri="{C183D7F6-B498-43B3-948B-1728B52AA6E4}">
-                <adec:decorative xmlns:adec="http://schemas.microsoft.com/office/drawing/2017/decorative" val="1"/>
-              </a:ext>
-            </a:extLst>
-          </p:cNvPr>
-          <p:cNvCxnSpPr>
-            <a:cxnSpLocks noGrp="1" noRot="1" noChangeAspect="1" noMove="1" noResize="1" noEditPoints="1" noAdjustHandles="1" noChangeArrowheads="1" noChangeShapeType="1"/>
-          </p:cNvCxnSpPr>
-          <p:nvPr>
-            <p:extLst>
-              <p:ext uri="{386F3935-93C4-4BCD-93E2-E3B085C9AB24}">
-                <p16:designElem xmlns:p16="http://schemas.microsoft.com/office/powerpoint/2015/main" val="1"/>
-              </p:ext>
-            </p:extLst>
-          </p:nvPr>
-        </p:nvCxnSpPr>
-        <p:spPr>
-          <a:xfrm>
-            <a:off x="7555992" y="2146542"/>
-            <a:ext cx="3157578" cy="0"/>
-          </a:xfrm>
-          <a:prstGeom prst="line">
-            <a:avLst/>
-          </a:prstGeom>
-          <a:ln w="31750"/>
-        </p:spPr>
-        <p:style>
-          <a:lnRef idx="3">
-            <a:schemeClr val="accent1"/>
-          </a:lnRef>
-          <a:fillRef idx="0">
-            <a:schemeClr val="accent1"/>
-          </a:fillRef>
-          <a:effectRef idx="2">
-            <a:schemeClr val="accent1"/>
-          </a:effectRef>
-          <a:fontRef idx="minor">
-            <a:schemeClr val="tx1"/>
-          </a:fontRef>
-        </p:style>
-      </p:cxnSp>
-      <p:sp>
-        <p:nvSpPr>
-          <p:cNvPr id="1037" name="Title 1">
-            <a:extLst>
-              <a:ext uri="{FF2B5EF4-FFF2-40B4-BE49-F238E27FC236}">
-                <a16:creationId xmlns:a16="http://schemas.microsoft.com/office/drawing/2014/main" id="{898488B7-DBD3-40E7-B54B-4DA6C5693EF3}"/>
-              </a:ext>
-              <a:ext uri="{C183D7F6-B498-43B3-948B-1728B52AA6E4}">
-                <adec:decorative xmlns:adec="http://schemas.microsoft.com/office/drawing/2017/decorative" val="1"/>
-              </a:ext>
-            </a:extLst>
-          </p:cNvPr>
-          <p:cNvSpPr txBox="1">
-            <a:spLocks noGrp="1" noRot="1" noChangeAspect="1" noMove="1" noResize="1" noEditPoints="1" noAdjustHandles="1" noChangeArrowheads="1" noChangeShapeType="1" noTextEdit="1"/>
-          </p:cNvSpPr>
-          <p:nvPr>
-            <p:extLst>
-              <p:ext uri="{386F3935-93C4-4BCD-93E2-E3B085C9AB24}">
-                <p16:designElem xmlns:p16="http://schemas.microsoft.com/office/powerpoint/2015/main" val="1"/>
-              </p:ext>
-            </p:extLst>
-          </p:nvPr>
-        </p:nvSpPr>
-        <p:spPr>
-          <a:xfrm>
-            <a:off x="1451580" y="3122496"/>
-            <a:ext cx="3530157" cy="1049235"/>
-          </a:xfrm>
-          <a:prstGeom prst="rect">
-            <a:avLst/>
-          </a:prstGeom>
-        </p:spPr>
-        <p:txBody>
-          <a:bodyPr vert="horz" lIns="91440" tIns="45720" rIns="91440" bIns="45720" rtlCol="0" anchor="t">
-            <a:normAutofit/>
-          </a:bodyPr>
-          <a:lstStyle>
-            <a:lvl1pPr algn="l" defTabSz="914400" rtl="0" eaLnBrk="1" latinLnBrk="0" hangingPunct="1">
-              <a:lnSpc>
-                <a:spcPct val="90000"/>
-              </a:lnSpc>
-              <a:spcBef>
-                <a:spcPct val="0"/>
-              </a:spcBef>
-              <a:buNone/>
-              <a:defRPr sz="3200" b="0" i="0" kern="1200" cap="all">
-                <a:solidFill>
-                  <a:schemeClr val="tx1"/>
-                </a:solidFill>
-                <a:effectLst/>
-                <a:latin typeface="+mj-lt"/>
-                <a:ea typeface="+mj-ea"/>
-                <a:cs typeface="+mj-cs"/>
-              </a:defRPr>
-            </a:lvl1pPr>
-          </a:lstStyle>
-          <a:p>
-            <a:endParaRPr lang="en-US" dirty="0"/>
-          </a:p>
-        </p:txBody>
-      </p:sp>
-      <p:pic>
-        <p:nvPicPr>
-          <p:cNvPr id="1026" name="Picture 2" descr="CitizenChoice">
-            <a:extLst>
-              <a:ext uri="{FF2B5EF4-FFF2-40B4-BE49-F238E27FC236}">
-                <a16:creationId xmlns:a16="http://schemas.microsoft.com/office/drawing/2014/main" id="{34E1AFD2-F361-50AC-094A-D5FDDBFDC545}"/>
-              </a:ext>
-            </a:extLst>
-          </p:cNvPr>
-          <p:cNvPicPr>
-            <a:picLocks noChangeAspect="1" noChangeArrowheads="1"/>
-          </p:cNvPicPr>
-          <p:nvPr/>
-        </p:nvPicPr>
-        <p:blipFill>
-          <a:blip r:embed="rId2">
-            <a:extLst>
-              <a:ext uri="{28A0092B-C50C-407E-A947-70E740481C1C}">
-                <a14:useLocalDpi xmlns:a14="http://schemas.microsoft.com/office/drawing/2010/main" val="0"/>
-              </a:ext>
-            </a:extLst>
-          </a:blip>
-          <a:stretch>
-            <a:fillRect/>
-          </a:stretch>
-        </p:blipFill>
-        <p:spPr bwMode="auto">
-          <a:xfrm>
-            <a:off x="158766" y="22191"/>
-            <a:ext cx="6545277" cy="6835799"/>
-          </a:xfrm>
-          <a:prstGeom prst="rect">
-            <a:avLst/>
-          </a:prstGeom>
-          <a:noFill/>
-          <a:extLst>
-            <a:ext uri="{909E8E84-426E-40DD-AFC4-6F175D3DCCD1}">
-              <a14:hiddenFill xmlns:a14="http://schemas.microsoft.com/office/drawing/2010/main">
-                <a:solidFill>
-                  <a:srgbClr val="FFFFFF"/>
-                </a:solidFill>
-              </a14:hiddenFill>
-            </a:ext>
-          </a:extLst>
-        </p:spPr>
-      </p:pic>
-      <p:sp>
-        <p:nvSpPr>
-          <p:cNvPr id="3" name="Content Placeholder 2">
-            <a:extLst>
-              <a:ext uri="{FF2B5EF4-FFF2-40B4-BE49-F238E27FC236}">
-                <a16:creationId xmlns:a16="http://schemas.microsoft.com/office/drawing/2014/main" id="{8DF0B7A5-7FF4-E0A3-FC09-2C2E842F1645}"/>
-              </a:ext>
-            </a:extLst>
-          </p:cNvPr>
-          <p:cNvSpPr>
-            <a:spLocks noGrp="1"/>
-          </p:cNvSpPr>
-          <p:nvPr>
-            <p:ph idx="1"/>
-          </p:nvPr>
-        </p:nvSpPr>
-        <p:spPr>
-          <a:xfrm>
-            <a:off x="6704043" y="2218867"/>
-            <a:ext cx="5487653" cy="4511581"/>
-          </a:xfrm>
-        </p:spPr>
-        <p:txBody>
-          <a:bodyPr>
-            <a:normAutofit/>
-          </a:bodyPr>
-          <a:lstStyle/>
-          <a:p>
-            <a:r>
-              <a:rPr lang="en-US" dirty="0"/>
-              <a:t>Recursion is another tool to accomplish the same tasks as recursion. </a:t>
-            </a:r>
-          </a:p>
-          <a:p>
-            <a:r>
-              <a:rPr lang="en-US" dirty="0"/>
-              <a:t>We don’t really need to do recursion, sometimes it just makes more sense. </a:t>
-            </a:r>
-          </a:p>
-          <a:p>
-            <a:pPr lvl="1"/>
-            <a:r>
-              <a:rPr lang="en-US" dirty="0"/>
-              <a:t>Loop/recursion are interchangeable. </a:t>
-            </a:r>
-          </a:p>
-          <a:p>
-            <a:r>
-              <a:rPr lang="en-US" dirty="0"/>
-              <a:t>Each has positives and negatives. </a:t>
-            </a:r>
-          </a:p>
-          <a:p>
-            <a:pPr lvl="1"/>
-            <a:r>
-              <a:rPr lang="en-US" dirty="0"/>
-              <a:t>Recursion is usually slower and more resource intensive. </a:t>
-            </a:r>
-          </a:p>
-          <a:p>
-            <a:pPr lvl="1"/>
-            <a:r>
-              <a:rPr lang="en-US" dirty="0"/>
-              <a:t>Recursion can make the structure of the code easier for some problems making it easier to understand. </a:t>
-            </a:r>
-          </a:p>
-        </p:txBody>
-      </p:sp>
-    </p:spTree>
-    <p:extLst>
-      <p:ext uri="{BB962C8B-B14F-4D97-AF65-F5344CB8AC3E}">
-        <p14:creationId xmlns:p14="http://schemas.microsoft.com/office/powerpoint/2010/main" val="3553373463"/>
       </p:ext>
     </p:extLst>
   </p:cSld>

--- a/course_material/slides/008_recursion.pptx
+++ b/course_material/slides/008_recursion.pptx
@@ -4511,15 +4511,20 @@
             <a:pPr lvl="1"/>
             <a:r>
               <a:rPr lang="en-US" dirty="0"/>
-              <a:t>Recursion (Ch 5)</a:t>
+              <a:t>Recursion (Ch 5) (Workbook 008)</a:t>
             </a:r>
           </a:p>
           <a:p>
             <a:pPr lvl="1"/>
             <a:r>
               <a:rPr lang="en-US" dirty="0"/>
-              <a:t>Details of strings (Ch 8)</a:t>
-            </a:r>
+              <a:t>Details of strings (Ch </a:t>
+            </a:r>
+            <a:r>
+              <a:rPr lang="en-US"/>
+              <a:t>8) (009)</a:t>
+            </a:r>
+            <a:endParaRPr lang="en-US" dirty="0"/>
           </a:p>
           <a:p>
             <a:pPr lvl="1"/>
@@ -4572,13 +4577,8 @@
             <a:pPr lvl="1"/>
             <a:r>
               <a:rPr lang="en-US" dirty="0"/>
-              <a:t>We have most of the key building blocks of programs, now need </a:t>
-            </a:r>
-            <a:r>
-              <a:rPr lang="en-US"/>
-              <a:t>to practice. </a:t>
-            </a:r>
-            <a:endParaRPr lang="en-US" dirty="0"/>
+              <a:t>We have most of the key building blocks of programs, now need to practice. </a:t>
+            </a:r>
           </a:p>
         </p:txBody>
       </p:sp>
